--- a/ppt 16-9/0781.永住神的殿.pptx
+++ b/ppt 16-9/0781.永住神的殿.pptx
@@ -5,7 +5,7 @@
     <p:sldMasterId id="2147483648" r:id="rId1"/>
   </p:sldMasterIdLst>
   <p:sldIdLst>
-    <p:sldId id="2044" r:id="rId2"/>
+    <p:sldId id="2045" r:id="rId2"/>
   </p:sldIdLst>
   <p:sldSz cx="12192000" cy="6858000"/>
   <p:notesSz cx="6858000" cy="9144000"/>
@@ -129,7 +129,7 @@
           <p:cNvPr id="2" name="标题 1">
             <a:extLst>
               <a:ext uri="{FF2B5EF4-FFF2-40B4-BE49-F238E27FC236}">
-                <a16:creationId xmlns:a16="http://schemas.microsoft.com/office/drawing/2014/main" id="{5B2B1A4F-3F5D-00DE-5EC7-D79B0DAD9ACE}"/>
+                <a16:creationId xmlns:a16="http://schemas.microsoft.com/office/drawing/2014/main" id="{0C3EE99B-5C76-BF6A-87C5-350DDC48D82D}"/>
               </a:ext>
             </a:extLst>
           </p:cNvPr>
@@ -166,7 +166,7 @@
           <p:cNvPr id="3" name="副标题 2">
             <a:extLst>
               <a:ext uri="{FF2B5EF4-FFF2-40B4-BE49-F238E27FC236}">
-                <a16:creationId xmlns:a16="http://schemas.microsoft.com/office/drawing/2014/main" id="{A014F8D7-FEFD-F9E8-93F2-D86139EEE0C1}"/>
+                <a16:creationId xmlns:a16="http://schemas.microsoft.com/office/drawing/2014/main" id="{1A624719-5CEC-20E2-61EA-3BEDBB83E1F2}"/>
               </a:ext>
             </a:extLst>
           </p:cNvPr>
@@ -236,7 +236,7 @@
           <p:cNvPr id="4" name="日期占位符 3">
             <a:extLst>
               <a:ext uri="{FF2B5EF4-FFF2-40B4-BE49-F238E27FC236}">
-                <a16:creationId xmlns:a16="http://schemas.microsoft.com/office/drawing/2014/main" id="{EE40D0C5-E3FE-F21E-18E1-A47F00FA27DB}"/>
+                <a16:creationId xmlns:a16="http://schemas.microsoft.com/office/drawing/2014/main" id="{207A3E6A-F5F7-9036-919E-B64B01757091}"/>
               </a:ext>
             </a:extLst>
           </p:cNvPr>
@@ -252,7 +252,7 @@
           <a:bodyPr/>
           <a:lstStyle/>
           <a:p>
-            <a:fld id="{B6C45C5E-5ADA-4D7C-94A4-76CC20E9AC53}" type="datetimeFigureOut">
+            <a:fld id="{01ED48C1-3ED7-4FAB-A79F-0CBA044FCAB8}" type="datetimeFigureOut">
               <a:rPr lang="zh-CN" altLang="en-US" smtClean="0"/>
               <a:t>2024/3/10</a:t>
             </a:fld>
@@ -265,7 +265,7 @@
           <p:cNvPr id="5" name="页脚占位符 4">
             <a:extLst>
               <a:ext uri="{FF2B5EF4-FFF2-40B4-BE49-F238E27FC236}">
-                <a16:creationId xmlns:a16="http://schemas.microsoft.com/office/drawing/2014/main" id="{91F18FB8-6B09-8023-95A7-5FC8EDD37D90}"/>
+                <a16:creationId xmlns:a16="http://schemas.microsoft.com/office/drawing/2014/main" id="{A02F0D5A-DA3F-EA18-566F-9A4B33634E39}"/>
               </a:ext>
             </a:extLst>
           </p:cNvPr>
@@ -290,7 +290,7 @@
           <p:cNvPr id="6" name="灯片编号占位符 5">
             <a:extLst>
               <a:ext uri="{FF2B5EF4-FFF2-40B4-BE49-F238E27FC236}">
-                <a16:creationId xmlns:a16="http://schemas.microsoft.com/office/drawing/2014/main" id="{A7EBFCC1-0943-9AE4-A873-0E9AD14831FE}"/>
+                <a16:creationId xmlns:a16="http://schemas.microsoft.com/office/drawing/2014/main" id="{294A2004-6B28-65ED-F2C5-50133D1AFDB7}"/>
               </a:ext>
             </a:extLst>
           </p:cNvPr>
@@ -306,7 +306,7 @@
           <a:bodyPr/>
           <a:lstStyle/>
           <a:p>
-            <a:fld id="{E2A0442F-B2D4-4C38-8ACA-69777BBBF0E8}" type="slidenum">
+            <a:fld id="{2F423027-FF8A-4A32-90FE-A6397BFEFA60}" type="slidenum">
               <a:rPr lang="zh-CN" altLang="en-US" smtClean="0"/>
               <a:t>‹#›</a:t>
             </a:fld>
@@ -317,7 +317,7 @@
     </p:spTree>
     <p:extLst>
       <p:ext uri="{BB962C8B-B14F-4D97-AF65-F5344CB8AC3E}">
-        <p14:creationId xmlns:p14="http://schemas.microsoft.com/office/powerpoint/2010/main" val="1636854121"/>
+        <p14:creationId xmlns:p14="http://schemas.microsoft.com/office/powerpoint/2010/main" val="1604361441"/>
       </p:ext>
     </p:extLst>
   </p:cSld>
@@ -349,7 +349,7 @@
           <p:cNvPr id="2" name="标题 1">
             <a:extLst>
               <a:ext uri="{FF2B5EF4-FFF2-40B4-BE49-F238E27FC236}">
-                <a16:creationId xmlns:a16="http://schemas.microsoft.com/office/drawing/2014/main" id="{5BB6ECC3-D15C-30FE-889B-79EF6DCE623B}"/>
+                <a16:creationId xmlns:a16="http://schemas.microsoft.com/office/drawing/2014/main" id="{E3CFE712-E314-A513-9B34-CFE8654B6551}"/>
               </a:ext>
             </a:extLst>
           </p:cNvPr>
@@ -377,7 +377,7 @@
           <p:cNvPr id="3" name="竖排文字占位符 2">
             <a:extLst>
               <a:ext uri="{FF2B5EF4-FFF2-40B4-BE49-F238E27FC236}">
-                <a16:creationId xmlns:a16="http://schemas.microsoft.com/office/drawing/2014/main" id="{273D909C-A64A-F9B4-6214-340271E8B61A}"/>
+                <a16:creationId xmlns:a16="http://schemas.microsoft.com/office/drawing/2014/main" id="{79253981-A0E3-3C2C-CB0E-89DB728A6CFA}"/>
               </a:ext>
             </a:extLst>
           </p:cNvPr>
@@ -434,7 +434,7 @@
           <p:cNvPr id="4" name="日期占位符 3">
             <a:extLst>
               <a:ext uri="{FF2B5EF4-FFF2-40B4-BE49-F238E27FC236}">
-                <a16:creationId xmlns:a16="http://schemas.microsoft.com/office/drawing/2014/main" id="{B335DC94-258E-E7A1-5CC8-E578EB7C4AB5}"/>
+                <a16:creationId xmlns:a16="http://schemas.microsoft.com/office/drawing/2014/main" id="{CB68586D-8E7E-D560-2793-66B0FE8D03F5}"/>
               </a:ext>
             </a:extLst>
           </p:cNvPr>
@@ -450,7 +450,7 @@
           <a:bodyPr/>
           <a:lstStyle/>
           <a:p>
-            <a:fld id="{B6C45C5E-5ADA-4D7C-94A4-76CC20E9AC53}" type="datetimeFigureOut">
+            <a:fld id="{01ED48C1-3ED7-4FAB-A79F-0CBA044FCAB8}" type="datetimeFigureOut">
               <a:rPr lang="zh-CN" altLang="en-US" smtClean="0"/>
               <a:t>2024/3/10</a:t>
             </a:fld>
@@ -463,7 +463,7 @@
           <p:cNvPr id="5" name="页脚占位符 4">
             <a:extLst>
               <a:ext uri="{FF2B5EF4-FFF2-40B4-BE49-F238E27FC236}">
-                <a16:creationId xmlns:a16="http://schemas.microsoft.com/office/drawing/2014/main" id="{84DA0B07-0F75-CDAE-A4E4-2C7A99878A4C}"/>
+                <a16:creationId xmlns:a16="http://schemas.microsoft.com/office/drawing/2014/main" id="{44BC4963-18F5-BD42-6B12-462201869B35}"/>
               </a:ext>
             </a:extLst>
           </p:cNvPr>
@@ -488,7 +488,7 @@
           <p:cNvPr id="6" name="灯片编号占位符 5">
             <a:extLst>
               <a:ext uri="{FF2B5EF4-FFF2-40B4-BE49-F238E27FC236}">
-                <a16:creationId xmlns:a16="http://schemas.microsoft.com/office/drawing/2014/main" id="{E9C92730-0547-12DA-98B4-5F52B02DCEDE}"/>
+                <a16:creationId xmlns:a16="http://schemas.microsoft.com/office/drawing/2014/main" id="{EC89DB12-583F-494A-080E-822B6E9BBCA4}"/>
               </a:ext>
             </a:extLst>
           </p:cNvPr>
@@ -504,7 +504,7 @@
           <a:bodyPr/>
           <a:lstStyle/>
           <a:p>
-            <a:fld id="{E2A0442F-B2D4-4C38-8ACA-69777BBBF0E8}" type="slidenum">
+            <a:fld id="{2F423027-FF8A-4A32-90FE-A6397BFEFA60}" type="slidenum">
               <a:rPr lang="zh-CN" altLang="en-US" smtClean="0"/>
               <a:t>‹#›</a:t>
             </a:fld>
@@ -515,7 +515,7 @@
     </p:spTree>
     <p:extLst>
       <p:ext uri="{BB962C8B-B14F-4D97-AF65-F5344CB8AC3E}">
-        <p14:creationId xmlns:p14="http://schemas.microsoft.com/office/powerpoint/2010/main" val="1588954310"/>
+        <p14:creationId xmlns:p14="http://schemas.microsoft.com/office/powerpoint/2010/main" val="1146262268"/>
       </p:ext>
     </p:extLst>
   </p:cSld>
@@ -547,7 +547,7 @@
           <p:cNvPr id="2" name="竖排标题 1">
             <a:extLst>
               <a:ext uri="{FF2B5EF4-FFF2-40B4-BE49-F238E27FC236}">
-                <a16:creationId xmlns:a16="http://schemas.microsoft.com/office/drawing/2014/main" id="{B76D168A-523B-C30A-8A24-B861160EFAB6}"/>
+                <a16:creationId xmlns:a16="http://schemas.microsoft.com/office/drawing/2014/main" id="{1D6E8668-ACE0-EE50-55C4-69AE4EA3940C}"/>
               </a:ext>
             </a:extLst>
           </p:cNvPr>
@@ -580,7 +580,7 @@
           <p:cNvPr id="3" name="竖排文字占位符 2">
             <a:extLst>
               <a:ext uri="{FF2B5EF4-FFF2-40B4-BE49-F238E27FC236}">
-                <a16:creationId xmlns:a16="http://schemas.microsoft.com/office/drawing/2014/main" id="{26FAD991-ED96-99E9-5B22-FE7EF166D6AD}"/>
+                <a16:creationId xmlns:a16="http://schemas.microsoft.com/office/drawing/2014/main" id="{0856880D-B2D7-CF78-F4C6-782F20698205}"/>
               </a:ext>
             </a:extLst>
           </p:cNvPr>
@@ -642,7 +642,7 @@
           <p:cNvPr id="4" name="日期占位符 3">
             <a:extLst>
               <a:ext uri="{FF2B5EF4-FFF2-40B4-BE49-F238E27FC236}">
-                <a16:creationId xmlns:a16="http://schemas.microsoft.com/office/drawing/2014/main" id="{48B8440F-754D-F087-B438-4C489AFEA1EC}"/>
+                <a16:creationId xmlns:a16="http://schemas.microsoft.com/office/drawing/2014/main" id="{11565B7B-73DA-E91B-9964-E22E20717A49}"/>
               </a:ext>
             </a:extLst>
           </p:cNvPr>
@@ -658,7 +658,7 @@
           <a:bodyPr/>
           <a:lstStyle/>
           <a:p>
-            <a:fld id="{B6C45C5E-5ADA-4D7C-94A4-76CC20E9AC53}" type="datetimeFigureOut">
+            <a:fld id="{01ED48C1-3ED7-4FAB-A79F-0CBA044FCAB8}" type="datetimeFigureOut">
               <a:rPr lang="zh-CN" altLang="en-US" smtClean="0"/>
               <a:t>2024/3/10</a:t>
             </a:fld>
@@ -671,7 +671,7 @@
           <p:cNvPr id="5" name="页脚占位符 4">
             <a:extLst>
               <a:ext uri="{FF2B5EF4-FFF2-40B4-BE49-F238E27FC236}">
-                <a16:creationId xmlns:a16="http://schemas.microsoft.com/office/drawing/2014/main" id="{F198161C-0050-1FEB-6103-2BD5EB74B644}"/>
+                <a16:creationId xmlns:a16="http://schemas.microsoft.com/office/drawing/2014/main" id="{4CB1FBCE-315C-5EC3-948D-C52DC72073C6}"/>
               </a:ext>
             </a:extLst>
           </p:cNvPr>
@@ -696,7 +696,7 @@
           <p:cNvPr id="6" name="灯片编号占位符 5">
             <a:extLst>
               <a:ext uri="{FF2B5EF4-FFF2-40B4-BE49-F238E27FC236}">
-                <a16:creationId xmlns:a16="http://schemas.microsoft.com/office/drawing/2014/main" id="{9B5A77A4-DEEA-F98B-B8AA-59480C5AF033}"/>
+                <a16:creationId xmlns:a16="http://schemas.microsoft.com/office/drawing/2014/main" id="{8EA210E6-975E-5872-7E9D-2890628CEF5D}"/>
               </a:ext>
             </a:extLst>
           </p:cNvPr>
@@ -712,7 +712,7 @@
           <a:bodyPr/>
           <a:lstStyle/>
           <a:p>
-            <a:fld id="{E2A0442F-B2D4-4C38-8ACA-69777BBBF0E8}" type="slidenum">
+            <a:fld id="{2F423027-FF8A-4A32-90FE-A6397BFEFA60}" type="slidenum">
               <a:rPr lang="zh-CN" altLang="en-US" smtClean="0"/>
               <a:t>‹#›</a:t>
             </a:fld>
@@ -723,7 +723,7 @@
     </p:spTree>
     <p:extLst>
       <p:ext uri="{BB962C8B-B14F-4D97-AF65-F5344CB8AC3E}">
-        <p14:creationId xmlns:p14="http://schemas.microsoft.com/office/powerpoint/2010/main" val="2694866192"/>
+        <p14:creationId xmlns:p14="http://schemas.microsoft.com/office/powerpoint/2010/main" val="1489415599"/>
       </p:ext>
     </p:extLst>
   </p:cSld>
@@ -755,7 +755,7 @@
           <p:cNvPr id="2" name="标题 1">
             <a:extLst>
               <a:ext uri="{FF2B5EF4-FFF2-40B4-BE49-F238E27FC236}">
-                <a16:creationId xmlns:a16="http://schemas.microsoft.com/office/drawing/2014/main" id="{CD2F11E3-8D87-52A7-9312-8190A4FF56ED}"/>
+                <a16:creationId xmlns:a16="http://schemas.microsoft.com/office/drawing/2014/main" id="{67D7B425-6B95-9E6A-793C-13F3E8D64A6D}"/>
               </a:ext>
             </a:extLst>
           </p:cNvPr>
@@ -783,7 +783,7 @@
           <p:cNvPr id="3" name="内容占位符 2">
             <a:extLst>
               <a:ext uri="{FF2B5EF4-FFF2-40B4-BE49-F238E27FC236}">
-                <a16:creationId xmlns:a16="http://schemas.microsoft.com/office/drawing/2014/main" id="{8A0EF732-ED4F-064F-D6EF-EF0430324A28}"/>
+                <a16:creationId xmlns:a16="http://schemas.microsoft.com/office/drawing/2014/main" id="{DC3BC9FD-3932-09BF-9332-B9D558FBF012}"/>
               </a:ext>
             </a:extLst>
           </p:cNvPr>
@@ -840,7 +840,7 @@
           <p:cNvPr id="4" name="日期占位符 3">
             <a:extLst>
               <a:ext uri="{FF2B5EF4-FFF2-40B4-BE49-F238E27FC236}">
-                <a16:creationId xmlns:a16="http://schemas.microsoft.com/office/drawing/2014/main" id="{0CA251AE-68EF-BAB3-9669-AD006F330355}"/>
+                <a16:creationId xmlns:a16="http://schemas.microsoft.com/office/drawing/2014/main" id="{05096AB0-CE01-BA18-9DAD-8950BACE4083}"/>
               </a:ext>
             </a:extLst>
           </p:cNvPr>
@@ -856,7 +856,7 @@
           <a:bodyPr/>
           <a:lstStyle/>
           <a:p>
-            <a:fld id="{B6C45C5E-5ADA-4D7C-94A4-76CC20E9AC53}" type="datetimeFigureOut">
+            <a:fld id="{01ED48C1-3ED7-4FAB-A79F-0CBA044FCAB8}" type="datetimeFigureOut">
               <a:rPr lang="zh-CN" altLang="en-US" smtClean="0"/>
               <a:t>2024/3/10</a:t>
             </a:fld>
@@ -869,7 +869,7 @@
           <p:cNvPr id="5" name="页脚占位符 4">
             <a:extLst>
               <a:ext uri="{FF2B5EF4-FFF2-40B4-BE49-F238E27FC236}">
-                <a16:creationId xmlns:a16="http://schemas.microsoft.com/office/drawing/2014/main" id="{A9F51E22-01BF-C126-1D9E-C9E61AD6E3CC}"/>
+                <a16:creationId xmlns:a16="http://schemas.microsoft.com/office/drawing/2014/main" id="{ACA7FA01-F2DF-FD51-640C-B8A9B8263BA3}"/>
               </a:ext>
             </a:extLst>
           </p:cNvPr>
@@ -894,7 +894,7 @@
           <p:cNvPr id="6" name="灯片编号占位符 5">
             <a:extLst>
               <a:ext uri="{FF2B5EF4-FFF2-40B4-BE49-F238E27FC236}">
-                <a16:creationId xmlns:a16="http://schemas.microsoft.com/office/drawing/2014/main" id="{CAD47BCE-C06D-249F-5581-E72188FD58BA}"/>
+                <a16:creationId xmlns:a16="http://schemas.microsoft.com/office/drawing/2014/main" id="{69362A0A-DF58-36F3-A352-855D35073BE3}"/>
               </a:ext>
             </a:extLst>
           </p:cNvPr>
@@ -910,7 +910,7 @@
           <a:bodyPr/>
           <a:lstStyle/>
           <a:p>
-            <a:fld id="{E2A0442F-B2D4-4C38-8ACA-69777BBBF0E8}" type="slidenum">
+            <a:fld id="{2F423027-FF8A-4A32-90FE-A6397BFEFA60}" type="slidenum">
               <a:rPr lang="zh-CN" altLang="en-US" smtClean="0"/>
               <a:t>‹#›</a:t>
             </a:fld>
@@ -921,7 +921,7 @@
     </p:spTree>
     <p:extLst>
       <p:ext uri="{BB962C8B-B14F-4D97-AF65-F5344CB8AC3E}">
-        <p14:creationId xmlns:p14="http://schemas.microsoft.com/office/powerpoint/2010/main" val="3942194516"/>
+        <p14:creationId xmlns:p14="http://schemas.microsoft.com/office/powerpoint/2010/main" val="2064354053"/>
       </p:ext>
     </p:extLst>
   </p:cSld>
@@ -953,7 +953,7 @@
           <p:cNvPr id="2" name="标题 1">
             <a:extLst>
               <a:ext uri="{FF2B5EF4-FFF2-40B4-BE49-F238E27FC236}">
-                <a16:creationId xmlns:a16="http://schemas.microsoft.com/office/drawing/2014/main" id="{1BC8E90C-2862-7C2E-CD2E-5C1658290199}"/>
+                <a16:creationId xmlns:a16="http://schemas.microsoft.com/office/drawing/2014/main" id="{012706F9-A042-AAA4-CAD0-CCB6B8AB18A1}"/>
               </a:ext>
             </a:extLst>
           </p:cNvPr>
@@ -990,7 +990,7 @@
           <p:cNvPr id="3" name="文本占位符 2">
             <a:extLst>
               <a:ext uri="{FF2B5EF4-FFF2-40B4-BE49-F238E27FC236}">
-                <a16:creationId xmlns:a16="http://schemas.microsoft.com/office/drawing/2014/main" id="{733E5B05-AEB0-F1EF-3470-6C2B4C8ED890}"/>
+                <a16:creationId xmlns:a16="http://schemas.microsoft.com/office/drawing/2014/main" id="{53080184-7364-E5F0-C088-0AF63A329AC4}"/>
               </a:ext>
             </a:extLst>
           </p:cNvPr>
@@ -1115,7 +1115,7 @@
           <p:cNvPr id="4" name="日期占位符 3">
             <a:extLst>
               <a:ext uri="{FF2B5EF4-FFF2-40B4-BE49-F238E27FC236}">
-                <a16:creationId xmlns:a16="http://schemas.microsoft.com/office/drawing/2014/main" id="{C000549F-AB14-DD9B-1E5A-FBE5F528F9C4}"/>
+                <a16:creationId xmlns:a16="http://schemas.microsoft.com/office/drawing/2014/main" id="{DA1DB814-4BC6-5758-A903-549BF03DA22F}"/>
               </a:ext>
             </a:extLst>
           </p:cNvPr>
@@ -1131,7 +1131,7 @@
           <a:bodyPr/>
           <a:lstStyle/>
           <a:p>
-            <a:fld id="{B6C45C5E-5ADA-4D7C-94A4-76CC20E9AC53}" type="datetimeFigureOut">
+            <a:fld id="{01ED48C1-3ED7-4FAB-A79F-0CBA044FCAB8}" type="datetimeFigureOut">
               <a:rPr lang="zh-CN" altLang="en-US" smtClean="0"/>
               <a:t>2024/3/10</a:t>
             </a:fld>
@@ -1144,7 +1144,7 @@
           <p:cNvPr id="5" name="页脚占位符 4">
             <a:extLst>
               <a:ext uri="{FF2B5EF4-FFF2-40B4-BE49-F238E27FC236}">
-                <a16:creationId xmlns:a16="http://schemas.microsoft.com/office/drawing/2014/main" id="{8E796F78-1682-C75A-2FDF-10410C4261F5}"/>
+                <a16:creationId xmlns:a16="http://schemas.microsoft.com/office/drawing/2014/main" id="{1045AFF5-FEB6-8389-32BD-5BBB6CDE9104}"/>
               </a:ext>
             </a:extLst>
           </p:cNvPr>
@@ -1169,7 +1169,7 @@
           <p:cNvPr id="6" name="灯片编号占位符 5">
             <a:extLst>
               <a:ext uri="{FF2B5EF4-FFF2-40B4-BE49-F238E27FC236}">
-                <a16:creationId xmlns:a16="http://schemas.microsoft.com/office/drawing/2014/main" id="{E48E0DC6-14D6-444A-1361-70DA25EBFE01}"/>
+                <a16:creationId xmlns:a16="http://schemas.microsoft.com/office/drawing/2014/main" id="{3B12BAE8-F61D-3ACA-935B-6513757962A9}"/>
               </a:ext>
             </a:extLst>
           </p:cNvPr>
@@ -1185,7 +1185,7 @@
           <a:bodyPr/>
           <a:lstStyle/>
           <a:p>
-            <a:fld id="{E2A0442F-B2D4-4C38-8ACA-69777BBBF0E8}" type="slidenum">
+            <a:fld id="{2F423027-FF8A-4A32-90FE-A6397BFEFA60}" type="slidenum">
               <a:rPr lang="zh-CN" altLang="en-US" smtClean="0"/>
               <a:t>‹#›</a:t>
             </a:fld>
@@ -1196,7 +1196,7 @@
     </p:spTree>
     <p:extLst>
       <p:ext uri="{BB962C8B-B14F-4D97-AF65-F5344CB8AC3E}">
-        <p14:creationId xmlns:p14="http://schemas.microsoft.com/office/powerpoint/2010/main" val="3533309453"/>
+        <p14:creationId xmlns:p14="http://schemas.microsoft.com/office/powerpoint/2010/main" val="3500871130"/>
       </p:ext>
     </p:extLst>
   </p:cSld>
@@ -1228,7 +1228,7 @@
           <p:cNvPr id="2" name="标题 1">
             <a:extLst>
               <a:ext uri="{FF2B5EF4-FFF2-40B4-BE49-F238E27FC236}">
-                <a16:creationId xmlns:a16="http://schemas.microsoft.com/office/drawing/2014/main" id="{6CC71A25-C822-7C16-E638-B7F0F0101B09}"/>
+                <a16:creationId xmlns:a16="http://schemas.microsoft.com/office/drawing/2014/main" id="{130F1D21-DE04-B96E-F1B8-B584D03A2FFC}"/>
               </a:ext>
             </a:extLst>
           </p:cNvPr>
@@ -1256,7 +1256,7 @@
           <p:cNvPr id="3" name="内容占位符 2">
             <a:extLst>
               <a:ext uri="{FF2B5EF4-FFF2-40B4-BE49-F238E27FC236}">
-                <a16:creationId xmlns:a16="http://schemas.microsoft.com/office/drawing/2014/main" id="{1757FF04-3DCC-4DE0-E2C5-B0439D69787D}"/>
+                <a16:creationId xmlns:a16="http://schemas.microsoft.com/office/drawing/2014/main" id="{EB586D76-06F4-6FEE-3D2D-F48D93312B14}"/>
               </a:ext>
             </a:extLst>
           </p:cNvPr>
@@ -1318,7 +1318,7 @@
           <p:cNvPr id="4" name="内容占位符 3">
             <a:extLst>
               <a:ext uri="{FF2B5EF4-FFF2-40B4-BE49-F238E27FC236}">
-                <a16:creationId xmlns:a16="http://schemas.microsoft.com/office/drawing/2014/main" id="{6381186E-92CE-D124-69A8-4FA313236AF5}"/>
+                <a16:creationId xmlns:a16="http://schemas.microsoft.com/office/drawing/2014/main" id="{EACB5C21-8814-D01C-4DB9-0290923B952A}"/>
               </a:ext>
             </a:extLst>
           </p:cNvPr>
@@ -1380,7 +1380,7 @@
           <p:cNvPr id="5" name="日期占位符 4">
             <a:extLst>
               <a:ext uri="{FF2B5EF4-FFF2-40B4-BE49-F238E27FC236}">
-                <a16:creationId xmlns:a16="http://schemas.microsoft.com/office/drawing/2014/main" id="{694D3A49-FC63-FA94-1687-1601BC7E76AC}"/>
+                <a16:creationId xmlns:a16="http://schemas.microsoft.com/office/drawing/2014/main" id="{FC5F2A3B-8C88-21D6-26FC-8185359778CC}"/>
               </a:ext>
             </a:extLst>
           </p:cNvPr>
@@ -1396,7 +1396,7 @@
           <a:bodyPr/>
           <a:lstStyle/>
           <a:p>
-            <a:fld id="{B6C45C5E-5ADA-4D7C-94A4-76CC20E9AC53}" type="datetimeFigureOut">
+            <a:fld id="{01ED48C1-3ED7-4FAB-A79F-0CBA044FCAB8}" type="datetimeFigureOut">
               <a:rPr lang="zh-CN" altLang="en-US" smtClean="0"/>
               <a:t>2024/3/10</a:t>
             </a:fld>
@@ -1409,7 +1409,7 @@
           <p:cNvPr id="6" name="页脚占位符 5">
             <a:extLst>
               <a:ext uri="{FF2B5EF4-FFF2-40B4-BE49-F238E27FC236}">
-                <a16:creationId xmlns:a16="http://schemas.microsoft.com/office/drawing/2014/main" id="{2338801F-F912-1D85-4E00-3668A420D135}"/>
+                <a16:creationId xmlns:a16="http://schemas.microsoft.com/office/drawing/2014/main" id="{0F86C1C0-3A15-47B8-B112-2D4F657579BA}"/>
               </a:ext>
             </a:extLst>
           </p:cNvPr>
@@ -1434,7 +1434,7 @@
           <p:cNvPr id="7" name="灯片编号占位符 6">
             <a:extLst>
               <a:ext uri="{FF2B5EF4-FFF2-40B4-BE49-F238E27FC236}">
-                <a16:creationId xmlns:a16="http://schemas.microsoft.com/office/drawing/2014/main" id="{C2F2E526-1573-AA52-F156-0AC0275E1C74}"/>
+                <a16:creationId xmlns:a16="http://schemas.microsoft.com/office/drawing/2014/main" id="{84997B55-26C2-A772-5A4A-A65E3A410E09}"/>
               </a:ext>
             </a:extLst>
           </p:cNvPr>
@@ -1450,7 +1450,7 @@
           <a:bodyPr/>
           <a:lstStyle/>
           <a:p>
-            <a:fld id="{E2A0442F-B2D4-4C38-8ACA-69777BBBF0E8}" type="slidenum">
+            <a:fld id="{2F423027-FF8A-4A32-90FE-A6397BFEFA60}" type="slidenum">
               <a:rPr lang="zh-CN" altLang="en-US" smtClean="0"/>
               <a:t>‹#›</a:t>
             </a:fld>
@@ -1461,7 +1461,7 @@
     </p:spTree>
     <p:extLst>
       <p:ext uri="{BB962C8B-B14F-4D97-AF65-F5344CB8AC3E}">
-        <p14:creationId xmlns:p14="http://schemas.microsoft.com/office/powerpoint/2010/main" val="1351794838"/>
+        <p14:creationId xmlns:p14="http://schemas.microsoft.com/office/powerpoint/2010/main" val="1876097288"/>
       </p:ext>
     </p:extLst>
   </p:cSld>
@@ -1493,7 +1493,7 @@
           <p:cNvPr id="2" name="标题 1">
             <a:extLst>
               <a:ext uri="{FF2B5EF4-FFF2-40B4-BE49-F238E27FC236}">
-                <a16:creationId xmlns:a16="http://schemas.microsoft.com/office/drawing/2014/main" id="{D716C581-2246-7710-2D5E-1D34F6F1771D}"/>
+                <a16:creationId xmlns:a16="http://schemas.microsoft.com/office/drawing/2014/main" id="{4D79F7D9-A8A6-84E4-FEEE-4D85A41D9C84}"/>
               </a:ext>
             </a:extLst>
           </p:cNvPr>
@@ -1526,7 +1526,7 @@
           <p:cNvPr id="3" name="文本占位符 2">
             <a:extLst>
               <a:ext uri="{FF2B5EF4-FFF2-40B4-BE49-F238E27FC236}">
-                <a16:creationId xmlns:a16="http://schemas.microsoft.com/office/drawing/2014/main" id="{BDDDB1C7-CFC1-D646-90EB-5552A12AE1E5}"/>
+                <a16:creationId xmlns:a16="http://schemas.microsoft.com/office/drawing/2014/main" id="{7F7CF4F2-F7F1-2755-AC5C-72D19DA5F120}"/>
               </a:ext>
             </a:extLst>
           </p:cNvPr>
@@ -1597,7 +1597,7 @@
           <p:cNvPr id="4" name="内容占位符 3">
             <a:extLst>
               <a:ext uri="{FF2B5EF4-FFF2-40B4-BE49-F238E27FC236}">
-                <a16:creationId xmlns:a16="http://schemas.microsoft.com/office/drawing/2014/main" id="{737A267F-5891-2B9C-5EC3-20B3B9CA3F8E}"/>
+                <a16:creationId xmlns:a16="http://schemas.microsoft.com/office/drawing/2014/main" id="{B090BB87-EE37-79C8-F4C4-668917C77D20}"/>
               </a:ext>
             </a:extLst>
           </p:cNvPr>
@@ -1659,7 +1659,7 @@
           <p:cNvPr id="5" name="文本占位符 4">
             <a:extLst>
               <a:ext uri="{FF2B5EF4-FFF2-40B4-BE49-F238E27FC236}">
-                <a16:creationId xmlns:a16="http://schemas.microsoft.com/office/drawing/2014/main" id="{D0772681-E65E-F721-79A6-31A5FF638A1D}"/>
+                <a16:creationId xmlns:a16="http://schemas.microsoft.com/office/drawing/2014/main" id="{C9BED421-40EC-2B4D-43FF-856BEBB4ED84}"/>
               </a:ext>
             </a:extLst>
           </p:cNvPr>
@@ -1730,7 +1730,7 @@
           <p:cNvPr id="6" name="内容占位符 5">
             <a:extLst>
               <a:ext uri="{FF2B5EF4-FFF2-40B4-BE49-F238E27FC236}">
-                <a16:creationId xmlns:a16="http://schemas.microsoft.com/office/drawing/2014/main" id="{328AA5BC-CB49-BE68-108F-4C1E06335E63}"/>
+                <a16:creationId xmlns:a16="http://schemas.microsoft.com/office/drawing/2014/main" id="{290826DC-9156-8FDB-A595-877F0614F4E6}"/>
               </a:ext>
             </a:extLst>
           </p:cNvPr>
@@ -1792,7 +1792,7 @@
           <p:cNvPr id="7" name="日期占位符 6">
             <a:extLst>
               <a:ext uri="{FF2B5EF4-FFF2-40B4-BE49-F238E27FC236}">
-                <a16:creationId xmlns:a16="http://schemas.microsoft.com/office/drawing/2014/main" id="{7DF28E6B-E081-19B1-06E8-5B39115F07AC}"/>
+                <a16:creationId xmlns:a16="http://schemas.microsoft.com/office/drawing/2014/main" id="{BD0A1BE4-7B07-F3B6-3CD1-8E4267DA6AC0}"/>
               </a:ext>
             </a:extLst>
           </p:cNvPr>
@@ -1808,7 +1808,7 @@
           <a:bodyPr/>
           <a:lstStyle/>
           <a:p>
-            <a:fld id="{B6C45C5E-5ADA-4D7C-94A4-76CC20E9AC53}" type="datetimeFigureOut">
+            <a:fld id="{01ED48C1-3ED7-4FAB-A79F-0CBA044FCAB8}" type="datetimeFigureOut">
               <a:rPr lang="zh-CN" altLang="en-US" smtClean="0"/>
               <a:t>2024/3/10</a:t>
             </a:fld>
@@ -1821,7 +1821,7 @@
           <p:cNvPr id="8" name="页脚占位符 7">
             <a:extLst>
               <a:ext uri="{FF2B5EF4-FFF2-40B4-BE49-F238E27FC236}">
-                <a16:creationId xmlns:a16="http://schemas.microsoft.com/office/drawing/2014/main" id="{14BFA42A-7A1E-EDF2-EA3A-1FF59B112F3B}"/>
+                <a16:creationId xmlns:a16="http://schemas.microsoft.com/office/drawing/2014/main" id="{E36607DD-4F2A-569A-3E30-281E1C09D4D5}"/>
               </a:ext>
             </a:extLst>
           </p:cNvPr>
@@ -1846,7 +1846,7 @@
           <p:cNvPr id="9" name="灯片编号占位符 8">
             <a:extLst>
               <a:ext uri="{FF2B5EF4-FFF2-40B4-BE49-F238E27FC236}">
-                <a16:creationId xmlns:a16="http://schemas.microsoft.com/office/drawing/2014/main" id="{677A9653-41B1-7BFE-281D-6050EC2A10FA}"/>
+                <a16:creationId xmlns:a16="http://schemas.microsoft.com/office/drawing/2014/main" id="{D9ACA552-DD46-9399-2375-BAF7EA412FD1}"/>
               </a:ext>
             </a:extLst>
           </p:cNvPr>
@@ -1862,7 +1862,7 @@
           <a:bodyPr/>
           <a:lstStyle/>
           <a:p>
-            <a:fld id="{E2A0442F-B2D4-4C38-8ACA-69777BBBF0E8}" type="slidenum">
+            <a:fld id="{2F423027-FF8A-4A32-90FE-A6397BFEFA60}" type="slidenum">
               <a:rPr lang="zh-CN" altLang="en-US" smtClean="0"/>
               <a:t>‹#›</a:t>
             </a:fld>
@@ -1873,7 +1873,7 @@
     </p:spTree>
     <p:extLst>
       <p:ext uri="{BB962C8B-B14F-4D97-AF65-F5344CB8AC3E}">
-        <p14:creationId xmlns:p14="http://schemas.microsoft.com/office/powerpoint/2010/main" val="3802113493"/>
+        <p14:creationId xmlns:p14="http://schemas.microsoft.com/office/powerpoint/2010/main" val="373339998"/>
       </p:ext>
     </p:extLst>
   </p:cSld>
@@ -1905,7 +1905,7 @@
           <p:cNvPr id="2" name="标题 1">
             <a:extLst>
               <a:ext uri="{FF2B5EF4-FFF2-40B4-BE49-F238E27FC236}">
-                <a16:creationId xmlns:a16="http://schemas.microsoft.com/office/drawing/2014/main" id="{28CCAC73-1D32-D24D-43B6-0DAE79249331}"/>
+                <a16:creationId xmlns:a16="http://schemas.microsoft.com/office/drawing/2014/main" id="{797E975D-18FD-68BC-069D-02C1699972FE}"/>
               </a:ext>
             </a:extLst>
           </p:cNvPr>
@@ -1933,7 +1933,7 @@
           <p:cNvPr id="3" name="日期占位符 2">
             <a:extLst>
               <a:ext uri="{FF2B5EF4-FFF2-40B4-BE49-F238E27FC236}">
-                <a16:creationId xmlns:a16="http://schemas.microsoft.com/office/drawing/2014/main" id="{CD7A1561-1729-6E78-834E-B582834B04B2}"/>
+                <a16:creationId xmlns:a16="http://schemas.microsoft.com/office/drawing/2014/main" id="{A0232338-E86F-360C-11F5-5C1CEAE5FED5}"/>
               </a:ext>
             </a:extLst>
           </p:cNvPr>
@@ -1949,7 +1949,7 @@
           <a:bodyPr/>
           <a:lstStyle/>
           <a:p>
-            <a:fld id="{B6C45C5E-5ADA-4D7C-94A4-76CC20E9AC53}" type="datetimeFigureOut">
+            <a:fld id="{01ED48C1-3ED7-4FAB-A79F-0CBA044FCAB8}" type="datetimeFigureOut">
               <a:rPr lang="zh-CN" altLang="en-US" smtClean="0"/>
               <a:t>2024/3/10</a:t>
             </a:fld>
@@ -1962,7 +1962,7 @@
           <p:cNvPr id="4" name="页脚占位符 3">
             <a:extLst>
               <a:ext uri="{FF2B5EF4-FFF2-40B4-BE49-F238E27FC236}">
-                <a16:creationId xmlns:a16="http://schemas.microsoft.com/office/drawing/2014/main" id="{B68D0281-3DAF-D9C4-60EE-CA91936B42FE}"/>
+                <a16:creationId xmlns:a16="http://schemas.microsoft.com/office/drawing/2014/main" id="{015A3994-CB97-EFE1-93C6-EB3A19C3F93C}"/>
               </a:ext>
             </a:extLst>
           </p:cNvPr>
@@ -1987,7 +1987,7 @@
           <p:cNvPr id="5" name="灯片编号占位符 4">
             <a:extLst>
               <a:ext uri="{FF2B5EF4-FFF2-40B4-BE49-F238E27FC236}">
-                <a16:creationId xmlns:a16="http://schemas.microsoft.com/office/drawing/2014/main" id="{9B6B60B0-75B5-CA8C-70D9-2194DC7C8D8D}"/>
+                <a16:creationId xmlns:a16="http://schemas.microsoft.com/office/drawing/2014/main" id="{26D4A990-1594-8A79-0F94-5423B4EB7CEC}"/>
               </a:ext>
             </a:extLst>
           </p:cNvPr>
@@ -2003,7 +2003,7 @@
           <a:bodyPr/>
           <a:lstStyle/>
           <a:p>
-            <a:fld id="{E2A0442F-B2D4-4C38-8ACA-69777BBBF0E8}" type="slidenum">
+            <a:fld id="{2F423027-FF8A-4A32-90FE-A6397BFEFA60}" type="slidenum">
               <a:rPr lang="zh-CN" altLang="en-US" smtClean="0"/>
               <a:t>‹#›</a:t>
             </a:fld>
@@ -2014,7 +2014,7 @@
     </p:spTree>
     <p:extLst>
       <p:ext uri="{BB962C8B-B14F-4D97-AF65-F5344CB8AC3E}">
-        <p14:creationId xmlns:p14="http://schemas.microsoft.com/office/powerpoint/2010/main" val="4194339130"/>
+        <p14:creationId xmlns:p14="http://schemas.microsoft.com/office/powerpoint/2010/main" val="3934793850"/>
       </p:ext>
     </p:extLst>
   </p:cSld>
@@ -2046,7 +2046,7 @@
           <p:cNvPr id="2" name="日期占位符 1">
             <a:extLst>
               <a:ext uri="{FF2B5EF4-FFF2-40B4-BE49-F238E27FC236}">
-                <a16:creationId xmlns:a16="http://schemas.microsoft.com/office/drawing/2014/main" id="{29B1E9A2-7F29-3313-3561-E47F92753645}"/>
+                <a16:creationId xmlns:a16="http://schemas.microsoft.com/office/drawing/2014/main" id="{3B898954-304C-F7C3-AF19-1B16772E933E}"/>
               </a:ext>
             </a:extLst>
           </p:cNvPr>
@@ -2062,7 +2062,7 @@
           <a:bodyPr/>
           <a:lstStyle/>
           <a:p>
-            <a:fld id="{B6C45C5E-5ADA-4D7C-94A4-76CC20E9AC53}" type="datetimeFigureOut">
+            <a:fld id="{01ED48C1-3ED7-4FAB-A79F-0CBA044FCAB8}" type="datetimeFigureOut">
               <a:rPr lang="zh-CN" altLang="en-US" smtClean="0"/>
               <a:t>2024/3/10</a:t>
             </a:fld>
@@ -2075,7 +2075,7 @@
           <p:cNvPr id="3" name="页脚占位符 2">
             <a:extLst>
               <a:ext uri="{FF2B5EF4-FFF2-40B4-BE49-F238E27FC236}">
-                <a16:creationId xmlns:a16="http://schemas.microsoft.com/office/drawing/2014/main" id="{06B0C860-E1BB-1C8A-A890-A9D2CFAC11FD}"/>
+                <a16:creationId xmlns:a16="http://schemas.microsoft.com/office/drawing/2014/main" id="{27AF0499-0E41-76F6-66AC-D2B46E498A38}"/>
               </a:ext>
             </a:extLst>
           </p:cNvPr>
@@ -2100,7 +2100,7 @@
           <p:cNvPr id="4" name="灯片编号占位符 3">
             <a:extLst>
               <a:ext uri="{FF2B5EF4-FFF2-40B4-BE49-F238E27FC236}">
-                <a16:creationId xmlns:a16="http://schemas.microsoft.com/office/drawing/2014/main" id="{E0091BA0-D43C-0333-04B6-E1EA72F5043C}"/>
+                <a16:creationId xmlns:a16="http://schemas.microsoft.com/office/drawing/2014/main" id="{EDC740F3-91D1-927C-F03E-11C58F24A6D2}"/>
               </a:ext>
             </a:extLst>
           </p:cNvPr>
@@ -2116,7 +2116,7 @@
           <a:bodyPr/>
           <a:lstStyle/>
           <a:p>
-            <a:fld id="{E2A0442F-B2D4-4C38-8ACA-69777BBBF0E8}" type="slidenum">
+            <a:fld id="{2F423027-FF8A-4A32-90FE-A6397BFEFA60}" type="slidenum">
               <a:rPr lang="zh-CN" altLang="en-US" smtClean="0"/>
               <a:t>‹#›</a:t>
             </a:fld>
@@ -2127,7 +2127,7 @@
     </p:spTree>
     <p:extLst>
       <p:ext uri="{BB962C8B-B14F-4D97-AF65-F5344CB8AC3E}">
-        <p14:creationId xmlns:p14="http://schemas.microsoft.com/office/powerpoint/2010/main" val="1376688123"/>
+        <p14:creationId xmlns:p14="http://schemas.microsoft.com/office/powerpoint/2010/main" val="2138988862"/>
       </p:ext>
     </p:extLst>
   </p:cSld>
@@ -2159,7 +2159,7 @@
           <p:cNvPr id="2" name="标题 1">
             <a:extLst>
               <a:ext uri="{FF2B5EF4-FFF2-40B4-BE49-F238E27FC236}">
-                <a16:creationId xmlns:a16="http://schemas.microsoft.com/office/drawing/2014/main" id="{37255DBC-5AC0-12EC-BC3F-B7E062A56606}"/>
+                <a16:creationId xmlns:a16="http://schemas.microsoft.com/office/drawing/2014/main" id="{AEB4B90C-C32D-6DBA-45C9-5DD168D013FF}"/>
               </a:ext>
             </a:extLst>
           </p:cNvPr>
@@ -2196,7 +2196,7 @@
           <p:cNvPr id="3" name="内容占位符 2">
             <a:extLst>
               <a:ext uri="{FF2B5EF4-FFF2-40B4-BE49-F238E27FC236}">
-                <a16:creationId xmlns:a16="http://schemas.microsoft.com/office/drawing/2014/main" id="{17944863-C1BC-2662-670B-50B1F171466C}"/>
+                <a16:creationId xmlns:a16="http://schemas.microsoft.com/office/drawing/2014/main" id="{2A96D8E4-6489-9A34-B3E6-1440205D8F8B}"/>
               </a:ext>
             </a:extLst>
           </p:cNvPr>
@@ -2286,7 +2286,7 @@
           <p:cNvPr id="4" name="文本占位符 3">
             <a:extLst>
               <a:ext uri="{FF2B5EF4-FFF2-40B4-BE49-F238E27FC236}">
-                <a16:creationId xmlns:a16="http://schemas.microsoft.com/office/drawing/2014/main" id="{DDC1A1BD-1746-9105-98F7-68989488B49A}"/>
+                <a16:creationId xmlns:a16="http://schemas.microsoft.com/office/drawing/2014/main" id="{1E10C9B0-DC76-4F56-A15E-23C16E346F9D}"/>
               </a:ext>
             </a:extLst>
           </p:cNvPr>
@@ -2357,7 +2357,7 @@
           <p:cNvPr id="5" name="日期占位符 4">
             <a:extLst>
               <a:ext uri="{FF2B5EF4-FFF2-40B4-BE49-F238E27FC236}">
-                <a16:creationId xmlns:a16="http://schemas.microsoft.com/office/drawing/2014/main" id="{903ABE4E-E65C-4F55-55F3-715D54EC6DB4}"/>
+                <a16:creationId xmlns:a16="http://schemas.microsoft.com/office/drawing/2014/main" id="{995BE9CE-3B28-E243-D0B5-90EE9EDFA6BA}"/>
               </a:ext>
             </a:extLst>
           </p:cNvPr>
@@ -2373,7 +2373,7 @@
           <a:bodyPr/>
           <a:lstStyle/>
           <a:p>
-            <a:fld id="{B6C45C5E-5ADA-4D7C-94A4-76CC20E9AC53}" type="datetimeFigureOut">
+            <a:fld id="{01ED48C1-3ED7-4FAB-A79F-0CBA044FCAB8}" type="datetimeFigureOut">
               <a:rPr lang="zh-CN" altLang="en-US" smtClean="0"/>
               <a:t>2024/3/10</a:t>
             </a:fld>
@@ -2386,7 +2386,7 @@
           <p:cNvPr id="6" name="页脚占位符 5">
             <a:extLst>
               <a:ext uri="{FF2B5EF4-FFF2-40B4-BE49-F238E27FC236}">
-                <a16:creationId xmlns:a16="http://schemas.microsoft.com/office/drawing/2014/main" id="{6F4B62AA-94D2-AC98-3EF6-82A7C422C3C3}"/>
+                <a16:creationId xmlns:a16="http://schemas.microsoft.com/office/drawing/2014/main" id="{77588F24-1708-8306-37FE-5849334DB9B2}"/>
               </a:ext>
             </a:extLst>
           </p:cNvPr>
@@ -2411,7 +2411,7 @@
           <p:cNvPr id="7" name="灯片编号占位符 6">
             <a:extLst>
               <a:ext uri="{FF2B5EF4-FFF2-40B4-BE49-F238E27FC236}">
-                <a16:creationId xmlns:a16="http://schemas.microsoft.com/office/drawing/2014/main" id="{83AFA4F2-D5A4-B20D-8D4A-0F80C1267F05}"/>
+                <a16:creationId xmlns:a16="http://schemas.microsoft.com/office/drawing/2014/main" id="{E832BD14-0968-8CD8-9821-D65FC7FFF6A3}"/>
               </a:ext>
             </a:extLst>
           </p:cNvPr>
@@ -2427,7 +2427,7 @@
           <a:bodyPr/>
           <a:lstStyle/>
           <a:p>
-            <a:fld id="{E2A0442F-B2D4-4C38-8ACA-69777BBBF0E8}" type="slidenum">
+            <a:fld id="{2F423027-FF8A-4A32-90FE-A6397BFEFA60}" type="slidenum">
               <a:rPr lang="zh-CN" altLang="en-US" smtClean="0"/>
               <a:t>‹#›</a:t>
             </a:fld>
@@ -2438,7 +2438,7 @@
     </p:spTree>
     <p:extLst>
       <p:ext uri="{BB962C8B-B14F-4D97-AF65-F5344CB8AC3E}">
-        <p14:creationId xmlns:p14="http://schemas.microsoft.com/office/powerpoint/2010/main" val="1001530419"/>
+        <p14:creationId xmlns:p14="http://schemas.microsoft.com/office/powerpoint/2010/main" val="844926337"/>
       </p:ext>
     </p:extLst>
   </p:cSld>
@@ -2470,7 +2470,7 @@
           <p:cNvPr id="2" name="标题 1">
             <a:extLst>
               <a:ext uri="{FF2B5EF4-FFF2-40B4-BE49-F238E27FC236}">
-                <a16:creationId xmlns:a16="http://schemas.microsoft.com/office/drawing/2014/main" id="{7C162A4A-7395-854E-0E7F-32952E8FEA2E}"/>
+                <a16:creationId xmlns:a16="http://schemas.microsoft.com/office/drawing/2014/main" id="{9575DB31-A295-9C84-4BC1-DE8717567C26}"/>
               </a:ext>
             </a:extLst>
           </p:cNvPr>
@@ -2507,7 +2507,7 @@
           <p:cNvPr id="3" name="图片占位符 2">
             <a:extLst>
               <a:ext uri="{FF2B5EF4-FFF2-40B4-BE49-F238E27FC236}">
-                <a16:creationId xmlns:a16="http://schemas.microsoft.com/office/drawing/2014/main" id="{0F7798A6-1587-4DB1-2B1E-0444D3AEAFA7}"/>
+                <a16:creationId xmlns:a16="http://schemas.microsoft.com/office/drawing/2014/main" id="{93351340-4E4D-FB7A-8DA1-4779D55D8D50}"/>
               </a:ext>
             </a:extLst>
           </p:cNvPr>
@@ -2574,7 +2574,7 @@
           <p:cNvPr id="4" name="文本占位符 3">
             <a:extLst>
               <a:ext uri="{FF2B5EF4-FFF2-40B4-BE49-F238E27FC236}">
-                <a16:creationId xmlns:a16="http://schemas.microsoft.com/office/drawing/2014/main" id="{51533F0A-8589-783D-DD62-7741759E111B}"/>
+                <a16:creationId xmlns:a16="http://schemas.microsoft.com/office/drawing/2014/main" id="{84696C23-3854-F3B4-24BB-F00AB1450239}"/>
               </a:ext>
             </a:extLst>
           </p:cNvPr>
@@ -2645,7 +2645,7 @@
           <p:cNvPr id="5" name="日期占位符 4">
             <a:extLst>
               <a:ext uri="{FF2B5EF4-FFF2-40B4-BE49-F238E27FC236}">
-                <a16:creationId xmlns:a16="http://schemas.microsoft.com/office/drawing/2014/main" id="{5B50C6EC-AD9B-CEA5-452F-85784B49EB4F}"/>
+                <a16:creationId xmlns:a16="http://schemas.microsoft.com/office/drawing/2014/main" id="{53B870ED-A515-1DE2-5262-E508DA495A86}"/>
               </a:ext>
             </a:extLst>
           </p:cNvPr>
@@ -2661,7 +2661,7 @@
           <a:bodyPr/>
           <a:lstStyle/>
           <a:p>
-            <a:fld id="{B6C45C5E-5ADA-4D7C-94A4-76CC20E9AC53}" type="datetimeFigureOut">
+            <a:fld id="{01ED48C1-3ED7-4FAB-A79F-0CBA044FCAB8}" type="datetimeFigureOut">
               <a:rPr lang="zh-CN" altLang="en-US" smtClean="0"/>
               <a:t>2024/3/10</a:t>
             </a:fld>
@@ -2674,7 +2674,7 @@
           <p:cNvPr id="6" name="页脚占位符 5">
             <a:extLst>
               <a:ext uri="{FF2B5EF4-FFF2-40B4-BE49-F238E27FC236}">
-                <a16:creationId xmlns:a16="http://schemas.microsoft.com/office/drawing/2014/main" id="{A73D9A04-C230-3AE4-B28C-B708F52A2ED6}"/>
+                <a16:creationId xmlns:a16="http://schemas.microsoft.com/office/drawing/2014/main" id="{39F40A6F-5FB0-E9DF-E444-93F249E934A0}"/>
               </a:ext>
             </a:extLst>
           </p:cNvPr>
@@ -2699,7 +2699,7 @@
           <p:cNvPr id="7" name="灯片编号占位符 6">
             <a:extLst>
               <a:ext uri="{FF2B5EF4-FFF2-40B4-BE49-F238E27FC236}">
-                <a16:creationId xmlns:a16="http://schemas.microsoft.com/office/drawing/2014/main" id="{8FE1873C-CA86-DE45-D3A8-9F0ACAA965A9}"/>
+                <a16:creationId xmlns:a16="http://schemas.microsoft.com/office/drawing/2014/main" id="{35C309FE-3A51-E1A6-B0C4-22BED96C264C}"/>
               </a:ext>
             </a:extLst>
           </p:cNvPr>
@@ -2715,7 +2715,7 @@
           <a:bodyPr/>
           <a:lstStyle/>
           <a:p>
-            <a:fld id="{E2A0442F-B2D4-4C38-8ACA-69777BBBF0E8}" type="slidenum">
+            <a:fld id="{2F423027-FF8A-4A32-90FE-A6397BFEFA60}" type="slidenum">
               <a:rPr lang="zh-CN" altLang="en-US" smtClean="0"/>
               <a:t>‹#›</a:t>
             </a:fld>
@@ -2726,7 +2726,7 @@
     </p:spTree>
     <p:extLst>
       <p:ext uri="{BB962C8B-B14F-4D97-AF65-F5344CB8AC3E}">
-        <p14:creationId xmlns:p14="http://schemas.microsoft.com/office/powerpoint/2010/main" val="3115983231"/>
+        <p14:creationId xmlns:p14="http://schemas.microsoft.com/office/powerpoint/2010/main" val="2312885212"/>
       </p:ext>
     </p:extLst>
   </p:cSld>
@@ -2763,7 +2763,7 @@
           <p:cNvPr id="2" name="标题占位符 1">
             <a:extLst>
               <a:ext uri="{FF2B5EF4-FFF2-40B4-BE49-F238E27FC236}">
-                <a16:creationId xmlns:a16="http://schemas.microsoft.com/office/drawing/2014/main" id="{EB06C38E-851C-62D6-9E11-3E4776D8800B}"/>
+                <a16:creationId xmlns:a16="http://schemas.microsoft.com/office/drawing/2014/main" id="{661ECFA3-50C7-EC43-17F7-B4BB15865DA0}"/>
               </a:ext>
             </a:extLst>
           </p:cNvPr>
@@ -2801,7 +2801,7 @@
           <p:cNvPr id="3" name="文本占位符 2">
             <a:extLst>
               <a:ext uri="{FF2B5EF4-FFF2-40B4-BE49-F238E27FC236}">
-                <a16:creationId xmlns:a16="http://schemas.microsoft.com/office/drawing/2014/main" id="{75175C7D-73DA-D37F-511D-9FAB83ACB8C1}"/>
+                <a16:creationId xmlns:a16="http://schemas.microsoft.com/office/drawing/2014/main" id="{B15BE5BC-F1C4-418A-00B2-CBCF85DA2945}"/>
               </a:ext>
             </a:extLst>
           </p:cNvPr>
@@ -2868,7 +2868,7 @@
           <p:cNvPr id="4" name="日期占位符 3">
             <a:extLst>
               <a:ext uri="{FF2B5EF4-FFF2-40B4-BE49-F238E27FC236}">
-                <a16:creationId xmlns:a16="http://schemas.microsoft.com/office/drawing/2014/main" id="{0BBD72E5-967E-3C8C-8D90-2B55FBAEF5BF}"/>
+                <a16:creationId xmlns:a16="http://schemas.microsoft.com/office/drawing/2014/main" id="{688E1A4E-1D14-260C-5B72-411A13093549}"/>
               </a:ext>
             </a:extLst>
           </p:cNvPr>
@@ -2902,7 +2902,7 @@
             </a:lvl1pPr>
           </a:lstStyle>
           <a:p>
-            <a:fld id="{B6C45C5E-5ADA-4D7C-94A4-76CC20E9AC53}" type="datetimeFigureOut">
+            <a:fld id="{01ED48C1-3ED7-4FAB-A79F-0CBA044FCAB8}" type="datetimeFigureOut">
               <a:rPr lang="zh-CN" altLang="en-US" smtClean="0"/>
               <a:t>2024/3/10</a:t>
             </a:fld>
@@ -2915,7 +2915,7 @@
           <p:cNvPr id="5" name="页脚占位符 4">
             <a:extLst>
               <a:ext uri="{FF2B5EF4-FFF2-40B4-BE49-F238E27FC236}">
-                <a16:creationId xmlns:a16="http://schemas.microsoft.com/office/drawing/2014/main" id="{3E95699E-23B1-43D9-B6FE-6CDB2F047D4C}"/>
+                <a16:creationId xmlns:a16="http://schemas.microsoft.com/office/drawing/2014/main" id="{66C11306-183C-3479-877E-809C77DE1B4E}"/>
               </a:ext>
             </a:extLst>
           </p:cNvPr>
@@ -2958,7 +2958,7 @@
           <p:cNvPr id="6" name="灯片编号占位符 5">
             <a:extLst>
               <a:ext uri="{FF2B5EF4-FFF2-40B4-BE49-F238E27FC236}">
-                <a16:creationId xmlns:a16="http://schemas.microsoft.com/office/drawing/2014/main" id="{2223B8BB-F02D-EB66-B963-63852D1819B2}"/>
+                <a16:creationId xmlns:a16="http://schemas.microsoft.com/office/drawing/2014/main" id="{676082EC-17F0-4C73-9FDF-4ABCD5CC1678}"/>
               </a:ext>
             </a:extLst>
           </p:cNvPr>
@@ -2992,7 +2992,7 @@
             </a:lvl1pPr>
           </a:lstStyle>
           <a:p>
-            <a:fld id="{E2A0442F-B2D4-4C38-8ACA-69777BBBF0E8}" type="slidenum">
+            <a:fld id="{2F423027-FF8A-4A32-90FE-A6397BFEFA60}" type="slidenum">
               <a:rPr lang="zh-CN" altLang="en-US" smtClean="0"/>
               <a:t>‹#›</a:t>
             </a:fld>
@@ -3003,7 +3003,7 @@
     </p:spTree>
     <p:extLst>
       <p:ext uri="{BB962C8B-B14F-4D97-AF65-F5344CB8AC3E}">
-        <p14:creationId xmlns:p14="http://schemas.microsoft.com/office/powerpoint/2010/main" val="2931659704"/>
+        <p14:creationId xmlns:p14="http://schemas.microsoft.com/office/powerpoint/2010/main" val="2541455550"/>
       </p:ext>
     </p:extLst>
   </p:cSld>
@@ -3323,7 +3323,7 @@
       </p:grpSpPr>
       <p:pic>
         <p:nvPicPr>
-          <p:cNvPr id="799746" name="Picture 2" descr="780"/>
+          <p:cNvPr id="800770" name="Picture 2" descr="781"/>
           <p:cNvPicPr>
             <a:picLocks noChangeAspect="1" noChangeArrowheads="1"/>
           </p:cNvPicPr>
@@ -3344,8 +3344,8 @@
         </p:blipFill>
         <p:spPr bwMode="auto">
           <a:xfrm>
-            <a:off x="1524000" y="0"/>
-            <a:ext cx="9144000" cy="6858000"/>
+            <a:off x="1524000" y="1"/>
+            <a:ext cx="9144000" cy="5876925"/>
           </a:xfrm>
           <a:prstGeom prst="rect">
             <a:avLst/>
